--- a/Prezentare/LupuAdriana.pptx
+++ b/Prezentare/LupuAdriana.pptx
@@ -260,7 +260,7 @@
               <a:pPr>
                 <a:defRPr/>
               </a:pPr>
-              <a:t>7/6/2014</a:t>
+              <a:t>6/21/2015</a:t>
             </a:fld>
             <a:endParaRPr lang="en-US"/>
           </a:p>
@@ -348,7 +348,7 @@
     </p:spTree>
     <p:extLst>
       <p:ext uri="{BB962C8B-B14F-4D97-AF65-F5344CB8AC3E}">
-        <p14:creationId xmlns="" xmlns:p14="http://schemas.microsoft.com/office/powerpoint/2010/main" val="3683748925"/>
+        <p14:creationId xmlns:p14="http://schemas.microsoft.com/office/powerpoint/2010/main" val="3683748925"/>
       </p:ext>
     </p:extLst>
   </p:cSld>
@@ -463,7 +463,7 @@
               <a:pPr>
                 <a:defRPr/>
               </a:pPr>
-              <a:t>7/6/2014</a:t>
+              <a:t>6/21/2015</a:t>
             </a:fld>
             <a:endParaRPr lang="en-US"/>
           </a:p>
@@ -659,7 +659,7 @@
     </p:spTree>
     <p:extLst>
       <p:ext uri="{BB962C8B-B14F-4D97-AF65-F5344CB8AC3E}">
-        <p14:creationId xmlns="" xmlns:p14="http://schemas.microsoft.com/office/powerpoint/2010/main" val="3167129528"/>
+        <p14:creationId xmlns:p14="http://schemas.microsoft.com/office/powerpoint/2010/main" val="3167129528"/>
       </p:ext>
     </p:extLst>
   </p:cSld>
@@ -9212,11 +9212,7 @@
             </a:r>
             <a:r>
               <a:rPr lang="en-US" sz="2400" dirty="0" smtClean="0"/>
-              <a:t> </a:t>
-            </a:r>
-            <a:r>
-              <a:rPr lang="en-US" sz="2400" dirty="0" smtClean="0"/>
-              <a:t>20 de </a:t>
+              <a:t> 20 de </a:t>
             </a:r>
             <a:r>
               <a:rPr lang="en-US" sz="2400" dirty="0" err="1" smtClean="0"/>
@@ -9224,11 +9220,7 @@
             </a:r>
             <a:r>
               <a:rPr lang="en-US" sz="2400" dirty="0" smtClean="0"/>
-              <a:t> </a:t>
-            </a:r>
-            <a:r>
-              <a:rPr lang="en-US" sz="2400" dirty="0" smtClean="0"/>
-              <a:t>ale </a:t>
+              <a:t> ale </a:t>
             </a:r>
             <a:r>
               <a:rPr lang="en-US" sz="2400" dirty="0" err="1" smtClean="0"/>
@@ -9311,11 +9303,7 @@
           <a:p>
             <a:r>
               <a:rPr lang="ro-RO" sz="2400" dirty="0" smtClean="0"/>
-              <a:t>Dimensiunea spatiului de cautare este de </a:t>
-            </a:r>
-            <a:r>
-              <a:rPr lang="ro-RO" sz="2400" dirty="0" smtClean="0"/>
-              <a:t>684</a:t>
+              <a:t>Dimensiunea spatiului de cautare este de 684</a:t>
             </a:r>
             <a:r>
               <a:rPr lang="en-US" sz="2400" dirty="0" smtClean="0"/>
@@ -9335,11 +9323,7 @@
             </a:r>
             <a:r>
               <a:rPr lang="en-US" sz="2400" dirty="0" smtClean="0"/>
-              <a:t> </a:t>
-            </a:r>
-            <a:r>
-              <a:rPr lang="en-US" sz="2400" dirty="0" smtClean="0"/>
-              <a:t>de </a:t>
+              <a:t> de </a:t>
             </a:r>
             <a:r>
               <a:rPr lang="en-US" sz="2400" dirty="0" err="1" smtClean="0"/>
@@ -13658,11 +13642,7 @@
             </a:r>
             <a:r>
               <a:rPr lang="en-US" sz="2300" dirty="0" smtClean="0"/>
-              <a:t> de </a:t>
-            </a:r>
-            <a:r>
-              <a:rPr lang="en-US" sz="2300" dirty="0" smtClean="0"/>
-              <a:t>fitness</a:t>
+              <a:t> de fitness</a:t>
             </a:r>
             <a:endParaRPr lang="ro-RO" sz="2300" dirty="0" smtClean="0"/>
           </a:p>
@@ -13804,7 +13784,7 @@
         </p:nvGraphicFramePr>
         <p:xfrm>
           <a:off x="71405" y="1857364"/>
-          <a:ext cx="9001155" cy="1615476"/>
+          <a:ext cx="9001155" cy="1635796"/>
         </p:xfrm>
         <a:graphic>
           <a:graphicData uri="http://schemas.openxmlformats.org/drawingml/2006/table">
@@ -22142,11 +22122,7 @@
             </a:r>
             <a:r>
               <a:rPr lang="en-US" sz="2000" dirty="0" smtClean="0"/>
-              <a:t>, </a:t>
-            </a:r>
-            <a:r>
-              <a:rPr lang="en-US" sz="2000" dirty="0" smtClean="0"/>
-              <a:t>am </a:t>
+              <a:t>, am </a:t>
             </a:r>
             <a:r>
               <a:rPr lang="en-US" sz="2000" dirty="0" err="1" smtClean="0"/>
@@ -22170,11 +22146,7 @@
             </a:r>
             <a:r>
               <a:rPr lang="en-US" sz="2000" dirty="0" smtClean="0"/>
-              <a:t> </a:t>
-            </a:r>
-            <a:r>
-              <a:rPr lang="en-US" sz="2000" dirty="0" smtClean="0"/>
-              <a:t>„</a:t>
+              <a:t> „</a:t>
             </a:r>
             <a:r>
               <a:rPr lang="en-US" sz="2000" b="1" dirty="0" smtClean="0"/>
@@ -23533,7 +23505,7 @@
           <p:nvPr>
             <p:extLst>
               <p:ext uri="{D42A27DB-BD31-4B8C-83A1-F6EECF244321}">
-                <p14:modId xmlns="" xmlns:p14="http://schemas.microsoft.com/office/powerpoint/2010/main" val="3620595077"/>
+                <p14:modId xmlns:p14="http://schemas.microsoft.com/office/powerpoint/2010/main" val="3620595077"/>
               </p:ext>
             </p:extLst>
           </p:nvPr>
@@ -25375,11 +25347,7 @@
             <a:pPr lvl="1"/>
             <a:r>
               <a:rPr lang="ro-RO" sz="1900" dirty="0" smtClean="0"/>
-              <a:t>strategie de selectie care sa reduca spatiul de cautare explorat</a:t>
-            </a:r>
-            <a:r>
-              <a:rPr lang="ro-RO" sz="1900" dirty="0" smtClean="0"/>
-              <a:t>.</a:t>
+              <a:t>strategie de selectie care sa reduca spatiul de cautare explorat.</a:t>
             </a:r>
             <a:endParaRPr lang="en-US" sz="1900" dirty="0" smtClean="0"/>
           </a:p>
@@ -25815,7 +25783,7 @@
           <p:nvPr>
             <p:extLst>
               <p:ext uri="{D42A27DB-BD31-4B8C-83A1-F6EECF244321}">
-                <p14:modId xmlns="" xmlns:p14="http://schemas.microsoft.com/office/powerpoint/2010/main" val="4011018198"/>
+                <p14:modId xmlns:p14="http://schemas.microsoft.com/office/powerpoint/2010/main" val="4011018198"/>
               </p:ext>
             </p:extLst>
           </p:nvPr>
@@ -26781,9 +26749,59 @@
         </p:xfrm>
         <a:graphic>
           <a:graphicData uri="http://schemas.openxmlformats.org/presentationml/2006/ole">
-            <p:oleObj spid="_x0000_s207874" name="Equation" r:id="rId4" imgW="5524200" imgH="304560" progId="Equation.3">
-              <p:embed/>
-            </p:oleObj>
+            <mc:AlternateContent xmlns:mc="http://schemas.openxmlformats.org/markup-compatibility/2006">
+              <mc:Choice xmlns:v="urn:schemas-microsoft-com:vml" Requires="v">
+                <p:oleObj spid="_x0000_s207878" name="Equation" r:id="rId4" imgW="5524200" imgH="304560" progId="Equation.3">
+                  <p:embed/>
+                </p:oleObj>
+              </mc:Choice>
+              <mc:Fallback>
+                <p:oleObj name="Equation" r:id="rId4" imgW="5524200" imgH="304560" progId="Equation.3">
+                  <p:embed/>
+                  <p:pic>
+                    <p:nvPicPr>
+                      <p:cNvPr id="0" name="Picture 2"/>
+                      <p:cNvPicPr>
+                        <a:picLocks noChangeAspect="1" noChangeArrowheads="1"/>
+                      </p:cNvPicPr>
+                      <p:nvPr/>
+                    </p:nvPicPr>
+                    <p:blipFill>
+                      <a:blip r:embed="rId5">
+                        <a:extLst>
+                          <a:ext uri="{28A0092B-C50C-407E-A947-70E740481C1C}">
+                            <a14:useLocalDpi xmlns:a14="http://schemas.microsoft.com/office/drawing/2010/main" val="0"/>
+                          </a:ext>
+                        </a:extLst>
+                      </a:blip>
+                      <a:srcRect/>
+                      <a:stretch>
+                        <a:fillRect/>
+                      </a:stretch>
+                    </p:blipFill>
+                    <p:spPr bwMode="auto">
+                      <a:xfrm>
+                        <a:off x="1920875" y="2055813"/>
+                        <a:ext cx="5524500" cy="304800"/>
+                      </a:xfrm>
+                      <a:prstGeom prst="rect">
+                        <a:avLst/>
+                      </a:prstGeom>
+                      <a:noFill/>
+                      <a:extLst>
+                        <a:ext uri="{909E8E84-426E-40DD-AFC4-6F175D3DCCD1}">
+                          <a14:hiddenFill xmlns:a14="http://schemas.microsoft.com/office/drawing/2010/main">
+                            <a:solidFill>
+                              <a:srgbClr val="FFFFFF"/>
+                            </a:solidFill>
+                          </a14:hiddenFill>
+                        </a:ext>
+                      </a:extLst>
+                    </p:spPr>
+                  </p:pic>
+                </p:oleObj>
+              </mc:Fallback>
+            </mc:AlternateContent>
           </a:graphicData>
         </a:graphic>
       </p:graphicFrame>
@@ -26801,9 +26819,59 @@
         </p:xfrm>
         <a:graphic>
           <a:graphicData uri="http://schemas.openxmlformats.org/presentationml/2006/ole">
-            <p:oleObj spid="_x0000_s207875" name="Equation" r:id="rId5" imgW="8165880" imgH="2006280" progId="Equation.3">
-              <p:embed/>
-            </p:oleObj>
+            <mc:AlternateContent xmlns:mc="http://schemas.openxmlformats.org/markup-compatibility/2006">
+              <mc:Choice xmlns:v="urn:schemas-microsoft-com:vml" Requires="v">
+                <p:oleObj spid="_x0000_s207879" name="Equation" r:id="rId6" imgW="8165880" imgH="2006280" progId="Equation.3">
+                  <p:embed/>
+                </p:oleObj>
+              </mc:Choice>
+              <mc:Fallback>
+                <p:oleObj name="Equation" r:id="rId6" imgW="8165880" imgH="2006280" progId="Equation.3">
+                  <p:embed/>
+                  <p:pic>
+                    <p:nvPicPr>
+                      <p:cNvPr id="0" name="Picture 3"/>
+                      <p:cNvPicPr>
+                        <a:picLocks noChangeAspect="1" noChangeArrowheads="1"/>
+                      </p:cNvPicPr>
+                      <p:nvPr/>
+                    </p:nvPicPr>
+                    <p:blipFill>
+                      <a:blip r:embed="rId7">
+                        <a:extLst>
+                          <a:ext uri="{28A0092B-C50C-407E-A947-70E740481C1C}">
+                            <a14:useLocalDpi xmlns:a14="http://schemas.microsoft.com/office/drawing/2010/main" val="0"/>
+                          </a:ext>
+                        </a:extLst>
+                      </a:blip>
+                      <a:srcRect/>
+                      <a:stretch>
+                        <a:fillRect/>
+                      </a:stretch>
+                    </p:blipFill>
+                    <p:spPr bwMode="auto">
+                      <a:xfrm>
+                        <a:off x="642910" y="3000372"/>
+                        <a:ext cx="8166100" cy="2006600"/>
+                      </a:xfrm>
+                      <a:prstGeom prst="rect">
+                        <a:avLst/>
+                      </a:prstGeom>
+                      <a:noFill/>
+                      <a:extLst>
+                        <a:ext uri="{909E8E84-426E-40DD-AFC4-6F175D3DCCD1}">
+                          <a14:hiddenFill xmlns:a14="http://schemas.microsoft.com/office/drawing/2010/main">
+                            <a:solidFill>
+                              <a:srgbClr val="FFFFFF"/>
+                            </a:solidFill>
+                          </a14:hiddenFill>
+                        </a:ext>
+                      </a:extLst>
+                    </p:spPr>
+                  </p:pic>
+                </p:oleObj>
+              </mc:Fallback>
+            </mc:AlternateContent>
           </a:graphicData>
         </a:graphic>
       </p:graphicFrame>
@@ -26821,9 +26889,59 @@
         </p:xfrm>
         <a:graphic>
           <a:graphicData uri="http://schemas.openxmlformats.org/presentationml/2006/ole">
-            <p:oleObj spid="_x0000_s207876" name="Equation" r:id="rId6" imgW="5486400" imgH="609480" progId="Equation.3">
-              <p:embed/>
-            </p:oleObj>
+            <mc:AlternateContent xmlns:mc="http://schemas.openxmlformats.org/markup-compatibility/2006">
+              <mc:Choice xmlns:v="urn:schemas-microsoft-com:vml" Requires="v">
+                <p:oleObj spid="_x0000_s207880" name="Equation" r:id="rId8" imgW="5486400" imgH="609480" progId="Equation.3">
+                  <p:embed/>
+                </p:oleObj>
+              </mc:Choice>
+              <mc:Fallback>
+                <p:oleObj name="Equation" r:id="rId8" imgW="5486400" imgH="609480" progId="Equation.3">
+                  <p:embed/>
+                  <p:pic>
+                    <p:nvPicPr>
+                      <p:cNvPr id="0" name="Picture 4"/>
+                      <p:cNvPicPr>
+                        <a:picLocks noChangeAspect="1" noChangeArrowheads="1"/>
+                      </p:cNvPicPr>
+                      <p:nvPr/>
+                    </p:nvPicPr>
+                    <p:blipFill>
+                      <a:blip r:embed="rId9">
+                        <a:extLst>
+                          <a:ext uri="{28A0092B-C50C-407E-A947-70E740481C1C}">
+                            <a14:useLocalDpi xmlns:a14="http://schemas.microsoft.com/office/drawing/2010/main" val="0"/>
+                          </a:ext>
+                        </a:extLst>
+                      </a:blip>
+                      <a:srcRect/>
+                      <a:stretch>
+                        <a:fillRect/>
+                      </a:stretch>
+                    </p:blipFill>
+                    <p:spPr bwMode="auto">
+                      <a:xfrm>
+                        <a:off x="738188" y="5572125"/>
+                        <a:ext cx="5486400" cy="609600"/>
+                      </a:xfrm>
+                      <a:prstGeom prst="rect">
+                        <a:avLst/>
+                      </a:prstGeom>
+                      <a:noFill/>
+                      <a:extLst>
+                        <a:ext uri="{909E8E84-426E-40DD-AFC4-6F175D3DCCD1}">
+                          <a14:hiddenFill xmlns:a14="http://schemas.microsoft.com/office/drawing/2010/main">
+                            <a:solidFill>
+                              <a:srgbClr val="FFFFFF"/>
+                            </a:solidFill>
+                          </a14:hiddenFill>
+                        </a:ext>
+                      </a:extLst>
+                    </p:spPr>
+                  </p:pic>
+                </p:oleObj>
+              </mc:Fallback>
+            </mc:AlternateContent>
           </a:graphicData>
         </a:graphic>
       </p:graphicFrame>
@@ -26916,9 +27034,59 @@
         </p:xfrm>
         <a:graphic>
           <a:graphicData uri="http://schemas.openxmlformats.org/presentationml/2006/ole">
-            <p:oleObj spid="_x0000_s207877" name="Equation" r:id="rId7" imgW="5333760" imgH="558720" progId="Equation.3">
-              <p:embed/>
-            </p:oleObj>
+            <mc:AlternateContent xmlns:mc="http://schemas.openxmlformats.org/markup-compatibility/2006">
+              <mc:Choice xmlns:v="urn:schemas-microsoft-com:vml" Requires="v">
+                <p:oleObj spid="_x0000_s207881" name="Equation" r:id="rId10" imgW="5333760" imgH="558720" progId="Equation.3">
+                  <p:embed/>
+                </p:oleObj>
+              </mc:Choice>
+              <mc:Fallback>
+                <p:oleObj name="Equation" r:id="rId10" imgW="5333760" imgH="558720" progId="Equation.3">
+                  <p:embed/>
+                  <p:pic>
+                    <p:nvPicPr>
+                      <p:cNvPr id="0" name="Picture 5"/>
+                      <p:cNvPicPr>
+                        <a:picLocks noChangeAspect="1" noChangeArrowheads="1"/>
+                      </p:cNvPicPr>
+                      <p:nvPr/>
+                    </p:nvPicPr>
+                    <p:blipFill>
+                      <a:blip r:embed="rId11">
+                        <a:extLst>
+                          <a:ext uri="{28A0092B-C50C-407E-A947-70E740481C1C}">
+                            <a14:useLocalDpi xmlns:a14="http://schemas.microsoft.com/office/drawing/2010/main" val="0"/>
+                          </a:ext>
+                        </a:extLst>
+                      </a:blip>
+                      <a:srcRect/>
+                      <a:stretch>
+                        <a:fillRect/>
+                      </a:stretch>
+                    </p:blipFill>
+                    <p:spPr bwMode="auto">
+                      <a:xfrm>
+                        <a:off x="3357554" y="2428868"/>
+                        <a:ext cx="5334000" cy="558800"/>
+                      </a:xfrm>
+                      <a:prstGeom prst="rect">
+                        <a:avLst/>
+                      </a:prstGeom>
+                      <a:noFill/>
+                      <a:extLst>
+                        <a:ext uri="{909E8E84-426E-40DD-AFC4-6F175D3DCCD1}">
+                          <a14:hiddenFill xmlns:a14="http://schemas.microsoft.com/office/drawing/2010/main">
+                            <a:solidFill>
+                              <a:srgbClr val="FFFFFF"/>
+                            </a:solidFill>
+                          </a14:hiddenFill>
+                        </a:ext>
+                      </a:extLst>
+                    </p:spPr>
+                  </p:pic>
+                </p:oleObj>
+              </mc:Fallback>
+            </mc:AlternateContent>
           </a:graphicData>
         </a:graphic>
       </p:graphicFrame>
